--- a/docs/draft/LazyNode.pptx
+++ b/docs/draft/LazyNode.pptx
@@ -8,6 +8,7 @@
     <p:sldId id="256" r:id="rId2"/>
     <p:sldId id="257" r:id="rId3"/>
     <p:sldId id="258" r:id="rId4"/>
+    <p:sldId id="259" r:id="rId5"/>
   </p:sldIdLst>
   <p:sldSz cx="12192000" cy="6858000"/>
   <p:notesSz cx="6858000" cy="9144000"/>
@@ -106,6 +107,11 @@
       </a:defRPr>
     </a:lvl9pPr>
   </p:defaultTextStyle>
+  <p:extLst>
+    <p:ext uri="{EFAFB233-063F-42B5-8137-9DF3F51BA10A}">
+      <p15:sldGuideLst xmlns:p15="http://schemas.microsoft.com/office/powerpoint/2012/main"/>
+    </p:ext>
+  </p:extLst>
 </p:presentation>
 </file>
 
@@ -258,7 +264,7 @@
           <a:p>
             <a:fld id="{2F2A14EC-D810-2846-990A-CB6E0418B8C1}" type="datetimeFigureOut">
               <a:rPr lang="en-US" smtClean="0"/>
-              <a:t>6/22/21</a:t>
+              <a:t>6/23/21</a:t>
             </a:fld>
             <a:endParaRPr lang="en-US"/>
           </a:p>
@@ -458,7 +464,7 @@
           <a:p>
             <a:fld id="{2F2A14EC-D810-2846-990A-CB6E0418B8C1}" type="datetimeFigureOut">
               <a:rPr lang="en-US" smtClean="0"/>
-              <a:t>6/22/21</a:t>
+              <a:t>6/23/21</a:t>
             </a:fld>
             <a:endParaRPr lang="en-US"/>
           </a:p>
@@ -668,7 +674,7 @@
           <a:p>
             <a:fld id="{2F2A14EC-D810-2846-990A-CB6E0418B8C1}" type="datetimeFigureOut">
               <a:rPr lang="en-US" smtClean="0"/>
-              <a:t>6/22/21</a:t>
+              <a:t>6/23/21</a:t>
             </a:fld>
             <a:endParaRPr lang="en-US"/>
           </a:p>
@@ -868,7 +874,7 @@
           <a:p>
             <a:fld id="{2F2A14EC-D810-2846-990A-CB6E0418B8C1}" type="datetimeFigureOut">
               <a:rPr lang="en-US" smtClean="0"/>
-              <a:t>6/22/21</a:t>
+              <a:t>6/23/21</a:t>
             </a:fld>
             <a:endParaRPr lang="en-US"/>
           </a:p>
@@ -1144,7 +1150,7 @@
           <a:p>
             <a:fld id="{2F2A14EC-D810-2846-990A-CB6E0418B8C1}" type="datetimeFigureOut">
               <a:rPr lang="en-US" smtClean="0"/>
-              <a:t>6/22/21</a:t>
+              <a:t>6/23/21</a:t>
             </a:fld>
             <a:endParaRPr lang="en-US"/>
           </a:p>
@@ -1412,7 +1418,7 @@
           <a:p>
             <a:fld id="{2F2A14EC-D810-2846-990A-CB6E0418B8C1}" type="datetimeFigureOut">
               <a:rPr lang="en-US" smtClean="0"/>
-              <a:t>6/22/21</a:t>
+              <a:t>6/23/21</a:t>
             </a:fld>
             <a:endParaRPr lang="en-US"/>
           </a:p>
@@ -1827,7 +1833,7 @@
           <a:p>
             <a:fld id="{2F2A14EC-D810-2846-990A-CB6E0418B8C1}" type="datetimeFigureOut">
               <a:rPr lang="en-US" smtClean="0"/>
-              <a:t>6/22/21</a:t>
+              <a:t>6/23/21</a:t>
             </a:fld>
             <a:endParaRPr lang="en-US"/>
           </a:p>
@@ -1969,7 +1975,7 @@
           <a:p>
             <a:fld id="{2F2A14EC-D810-2846-990A-CB6E0418B8C1}" type="datetimeFigureOut">
               <a:rPr lang="en-US" smtClean="0"/>
-              <a:t>6/22/21</a:t>
+              <a:t>6/23/21</a:t>
             </a:fld>
             <a:endParaRPr lang="en-US"/>
           </a:p>
@@ -2082,7 +2088,7 @@
           <a:p>
             <a:fld id="{2F2A14EC-D810-2846-990A-CB6E0418B8C1}" type="datetimeFigureOut">
               <a:rPr lang="en-US" smtClean="0"/>
-              <a:t>6/22/21</a:t>
+              <a:t>6/23/21</a:t>
             </a:fld>
             <a:endParaRPr lang="en-US"/>
           </a:p>
@@ -2395,7 +2401,7 @@
           <a:p>
             <a:fld id="{2F2A14EC-D810-2846-990A-CB6E0418B8C1}" type="datetimeFigureOut">
               <a:rPr lang="en-US" smtClean="0"/>
-              <a:t>6/22/21</a:t>
+              <a:t>6/23/21</a:t>
             </a:fld>
             <a:endParaRPr lang="en-US"/>
           </a:p>
@@ -2684,7 +2690,7 @@
           <a:p>
             <a:fld id="{2F2A14EC-D810-2846-990A-CB6E0418B8C1}" type="datetimeFigureOut">
               <a:rPr lang="en-US" smtClean="0"/>
-              <a:t>6/22/21</a:t>
+              <a:t>6/23/21</a:t>
             </a:fld>
             <a:endParaRPr lang="en-US"/>
           </a:p>
@@ -2927,7 +2933,7 @@
           <a:p>
             <a:fld id="{2F2A14EC-D810-2846-990A-CB6E0418B8C1}" type="datetimeFigureOut">
               <a:rPr lang="en-US" smtClean="0"/>
-              <a:t>6/22/21</a:t>
+              <a:t>6/23/21</a:t>
             </a:fld>
             <a:endParaRPr lang="en-US"/>
           </a:p>
@@ -4089,6 +4095,841 @@
 </p:sld>
 </file>
 
+<file path=ppt/slides/slide4.xml><?xml version="1.0" encoding="utf-8"?>
+<p:sld xmlns:a="http://schemas.openxmlformats.org/drawingml/2006/main" xmlns:r="http://schemas.openxmlformats.org/officeDocument/2006/relationships" xmlns:p="http://schemas.openxmlformats.org/presentationml/2006/main">
+  <p:cSld>
+    <p:spTree>
+      <p:nvGrpSpPr>
+        <p:cNvPr id="1" name=""/>
+        <p:cNvGrpSpPr/>
+        <p:nvPr/>
+      </p:nvGrpSpPr>
+      <p:grpSpPr>
+        <a:xfrm>
+          <a:off x="0" y="0"/>
+          <a:ext cx="0" cy="0"/>
+          <a:chOff x="0" y="0"/>
+          <a:chExt cx="0" cy="0"/>
+        </a:xfrm>
+      </p:grpSpPr>
+      <p:sp>
+        <p:nvSpPr>
+          <p:cNvPr id="2" name="Titre 1">
+            <a:extLst>
+              <a:ext uri="{FF2B5EF4-FFF2-40B4-BE49-F238E27FC236}">
+                <a16:creationId xmlns:a16="http://schemas.microsoft.com/office/drawing/2014/main" id="{3F0A0FFD-8974-8446-8ECA-D536FC116A85}"/>
+              </a:ext>
+            </a:extLst>
+          </p:cNvPr>
+          <p:cNvSpPr>
+            <a:spLocks noGrp="1"/>
+          </p:cNvSpPr>
+          <p:nvPr>
+            <p:ph type="title"/>
+          </p:nvPr>
+        </p:nvSpPr>
+        <p:spPr/>
+        <p:txBody>
+          <a:bodyPr/>
+          <a:lstStyle/>
+          <a:p>
+            <a:r>
+              <a:rPr lang="en-US" dirty="0"/>
+              <a:t>Shit goes real</a:t>
+            </a:r>
+          </a:p>
+        </p:txBody>
+      </p:sp>
+      <p:sp>
+        <p:nvSpPr>
+          <p:cNvPr id="3" name="Rectangle 2">
+            <a:extLst>
+              <a:ext uri="{FF2B5EF4-FFF2-40B4-BE49-F238E27FC236}">
+                <a16:creationId xmlns:a16="http://schemas.microsoft.com/office/drawing/2014/main" id="{CFA0D05C-D2FB-BB48-81B7-782A85BD2BD3}"/>
+              </a:ext>
+            </a:extLst>
+          </p:cNvPr>
+          <p:cNvSpPr/>
+          <p:nvPr/>
+        </p:nvSpPr>
+        <p:spPr>
+          <a:xfrm>
+            <a:off x="1193800" y="1930400"/>
+            <a:ext cx="1955800" cy="618067"/>
+          </a:xfrm>
+          <a:prstGeom prst="rect">
+            <a:avLst/>
+          </a:prstGeom>
+        </p:spPr>
+        <p:style>
+          <a:lnRef idx="2">
+            <a:schemeClr val="dk1"/>
+          </a:lnRef>
+          <a:fillRef idx="1">
+            <a:schemeClr val="lt1"/>
+          </a:fillRef>
+          <a:effectRef idx="0">
+            <a:schemeClr val="dk1"/>
+          </a:effectRef>
+          <a:fontRef idx="minor">
+            <a:schemeClr val="dk1"/>
+          </a:fontRef>
+        </p:style>
+        <p:txBody>
+          <a:bodyPr rtlCol="0" anchor="ctr"/>
+          <a:lstStyle/>
+          <a:p>
+            <a:pPr algn="ctr"/>
+            <a:r>
+              <a:rPr lang="en-US" dirty="0" err="1"/>
+              <a:t>ExporterService</a:t>
+            </a:r>
+            <a:endParaRPr lang="en-US" dirty="0"/>
+          </a:p>
+        </p:txBody>
+      </p:sp>
+      <p:sp>
+        <p:nvSpPr>
+          <p:cNvPr id="4" name="Rectangle 3">
+            <a:extLst>
+              <a:ext uri="{FF2B5EF4-FFF2-40B4-BE49-F238E27FC236}">
+                <a16:creationId xmlns:a16="http://schemas.microsoft.com/office/drawing/2014/main" id="{7B5B06C2-C398-594B-94A7-7A78846B2BAE}"/>
+              </a:ext>
+            </a:extLst>
+          </p:cNvPr>
+          <p:cNvSpPr/>
+          <p:nvPr/>
+        </p:nvSpPr>
+        <p:spPr>
+          <a:xfrm>
+            <a:off x="1193800" y="3257549"/>
+            <a:ext cx="1955800" cy="618067"/>
+          </a:xfrm>
+          <a:prstGeom prst="rect">
+            <a:avLst/>
+          </a:prstGeom>
+        </p:spPr>
+        <p:style>
+          <a:lnRef idx="2">
+            <a:schemeClr val="dk1"/>
+          </a:lnRef>
+          <a:fillRef idx="1">
+            <a:schemeClr val="lt1"/>
+          </a:fillRef>
+          <a:effectRef idx="0">
+            <a:schemeClr val="dk1"/>
+          </a:effectRef>
+          <a:fontRef idx="minor">
+            <a:schemeClr val="dk1"/>
+          </a:fontRef>
+        </p:style>
+        <p:txBody>
+          <a:bodyPr rtlCol="0" anchor="ctr"/>
+          <a:lstStyle/>
+          <a:p>
+            <a:pPr algn="ctr"/>
+            <a:r>
+              <a:rPr lang="en-US" dirty="0" err="1"/>
+              <a:t>RawStudy</a:t>
+            </a:r>
+            <a:endParaRPr lang="en-US" dirty="0"/>
+          </a:p>
+        </p:txBody>
+      </p:sp>
+      <p:sp>
+        <p:nvSpPr>
+          <p:cNvPr id="5" name="ZoneTexte 4">
+            <a:extLst>
+              <a:ext uri="{FF2B5EF4-FFF2-40B4-BE49-F238E27FC236}">
+                <a16:creationId xmlns:a16="http://schemas.microsoft.com/office/drawing/2014/main" id="{02AD6B7C-8409-9B47-8B51-9FDFA3624890}"/>
+              </a:ext>
+            </a:extLst>
+          </p:cNvPr>
+          <p:cNvSpPr txBox="1"/>
+          <p:nvPr/>
+        </p:nvSpPr>
+        <p:spPr>
+          <a:xfrm>
+            <a:off x="2641601" y="2695717"/>
+            <a:ext cx="2339487" cy="276999"/>
+          </a:xfrm>
+          <a:prstGeom prst="rect">
+            <a:avLst/>
+          </a:prstGeom>
+          <a:noFill/>
+        </p:spPr>
+        <p:txBody>
+          <a:bodyPr wrap="none" rtlCol="0">
+            <a:spAutoFit/>
+          </a:bodyPr>
+          <a:lstStyle/>
+          <a:p>
+            <a:r>
+              <a:rPr lang="en-US" sz="1200" i="1" dirty="0"/>
+              <a:t>Get study path / check study </a:t>
+            </a:r>
+            <a:r>
+              <a:rPr lang="en-US" sz="1200" i="1" dirty="0" err="1"/>
+              <a:t>existe</a:t>
+            </a:r>
+            <a:endParaRPr lang="en-US" sz="1200" i="1" dirty="0"/>
+          </a:p>
+        </p:txBody>
+      </p:sp>
+      <p:sp>
+        <p:nvSpPr>
+          <p:cNvPr id="6" name="Rectangle 5">
+            <a:extLst>
+              <a:ext uri="{FF2B5EF4-FFF2-40B4-BE49-F238E27FC236}">
+                <a16:creationId xmlns:a16="http://schemas.microsoft.com/office/drawing/2014/main" id="{D533654C-4618-B641-AC55-4B5689696FFC}"/>
+              </a:ext>
+            </a:extLst>
+          </p:cNvPr>
+          <p:cNvSpPr/>
+          <p:nvPr/>
+        </p:nvSpPr>
+        <p:spPr>
+          <a:xfrm>
+            <a:off x="1193800" y="4584699"/>
+            <a:ext cx="1955800" cy="618067"/>
+          </a:xfrm>
+          <a:prstGeom prst="rect">
+            <a:avLst/>
+          </a:prstGeom>
+        </p:spPr>
+        <p:style>
+          <a:lnRef idx="2">
+            <a:schemeClr val="dk1"/>
+          </a:lnRef>
+          <a:fillRef idx="1">
+            <a:schemeClr val="lt1"/>
+          </a:fillRef>
+          <a:effectRef idx="0">
+            <a:schemeClr val="dk1"/>
+          </a:effectRef>
+          <a:fontRef idx="minor">
+            <a:schemeClr val="dk1"/>
+          </a:fontRef>
+        </p:style>
+        <p:txBody>
+          <a:bodyPr rtlCol="0" anchor="ctr"/>
+          <a:lstStyle/>
+          <a:p>
+            <a:pPr algn="ctr"/>
+            <a:r>
+              <a:rPr lang="en-US" dirty="0" err="1"/>
+              <a:t>StudyFactory</a:t>
+            </a:r>
+            <a:endParaRPr lang="en-US" dirty="0"/>
+          </a:p>
+        </p:txBody>
+      </p:sp>
+      <p:sp>
+        <p:nvSpPr>
+          <p:cNvPr id="7" name="ZoneTexte 6">
+            <a:extLst>
+              <a:ext uri="{FF2B5EF4-FFF2-40B4-BE49-F238E27FC236}">
+                <a16:creationId xmlns:a16="http://schemas.microsoft.com/office/drawing/2014/main" id="{3B58EB97-064B-8C4A-9077-0A4EFAAF2045}"/>
+              </a:ext>
+            </a:extLst>
+          </p:cNvPr>
+          <p:cNvSpPr txBox="1"/>
+          <p:nvPr/>
+        </p:nvSpPr>
+        <p:spPr>
+          <a:xfrm>
+            <a:off x="2641600" y="4160449"/>
+            <a:ext cx="1523943" cy="276999"/>
+          </a:xfrm>
+          <a:prstGeom prst="rect">
+            <a:avLst/>
+          </a:prstGeom>
+          <a:noFill/>
+        </p:spPr>
+        <p:txBody>
+          <a:bodyPr wrap="none" rtlCol="0">
+            <a:spAutoFit/>
+          </a:bodyPr>
+          <a:lstStyle/>
+          <a:p>
+            <a:r>
+              <a:rPr lang="en-US" sz="1200" i="1" dirty="0" err="1"/>
+              <a:t>Instanciate</a:t>
+            </a:r>
+            <a:r>
+              <a:rPr lang="en-US" sz="1200" i="1" dirty="0"/>
+              <a:t> study tree</a:t>
+            </a:r>
+          </a:p>
+        </p:txBody>
+      </p:sp>
+      <p:sp>
+        <p:nvSpPr>
+          <p:cNvPr id="8" name="Rectangle 7">
+            <a:extLst>
+              <a:ext uri="{FF2B5EF4-FFF2-40B4-BE49-F238E27FC236}">
+                <a16:creationId xmlns:a16="http://schemas.microsoft.com/office/drawing/2014/main" id="{DAC7105F-CDDB-6E40-9BDF-A7A276960D95}"/>
+              </a:ext>
+            </a:extLst>
+          </p:cNvPr>
+          <p:cNvSpPr/>
+          <p:nvPr/>
+        </p:nvSpPr>
+        <p:spPr>
+          <a:xfrm>
+            <a:off x="6570133" y="4584699"/>
+            <a:ext cx="1955800" cy="618067"/>
+          </a:xfrm>
+          <a:prstGeom prst="rect">
+            <a:avLst/>
+          </a:prstGeom>
+        </p:spPr>
+        <p:style>
+          <a:lnRef idx="2">
+            <a:schemeClr val="dk1"/>
+          </a:lnRef>
+          <a:fillRef idx="1">
+            <a:schemeClr val="lt1"/>
+          </a:fillRef>
+          <a:effectRef idx="0">
+            <a:schemeClr val="dk1"/>
+          </a:effectRef>
+          <a:fontRef idx="minor">
+            <a:schemeClr val="dk1"/>
+          </a:fontRef>
+        </p:style>
+        <p:txBody>
+          <a:bodyPr rtlCol="0" anchor="ctr"/>
+          <a:lstStyle/>
+          <a:p>
+            <a:pPr algn="ctr"/>
+            <a:r>
+              <a:rPr lang="en-US" dirty="0"/>
+              <a:t>Context</a:t>
+            </a:r>
+          </a:p>
+        </p:txBody>
+      </p:sp>
+      <p:sp>
+        <p:nvSpPr>
+          <p:cNvPr id="9" name="ZoneTexte 8">
+            <a:extLst>
+              <a:ext uri="{FF2B5EF4-FFF2-40B4-BE49-F238E27FC236}">
+                <a16:creationId xmlns:a16="http://schemas.microsoft.com/office/drawing/2014/main" id="{91C8E630-190F-F347-BE3F-017B1EBE079E}"/>
+              </a:ext>
+            </a:extLst>
+          </p:cNvPr>
+          <p:cNvSpPr txBox="1"/>
+          <p:nvPr/>
+        </p:nvSpPr>
+        <p:spPr>
+          <a:xfrm>
+            <a:off x="3149600" y="5486681"/>
+            <a:ext cx="3785139" cy="276999"/>
+          </a:xfrm>
+          <a:prstGeom prst="rect">
+            <a:avLst/>
+          </a:prstGeom>
+          <a:noFill/>
+        </p:spPr>
+        <p:txBody>
+          <a:bodyPr wrap="none" rtlCol="0">
+            <a:spAutoFit/>
+          </a:bodyPr>
+          <a:lstStyle/>
+          <a:p>
+            <a:r>
+              <a:rPr lang="en-US" sz="1200" i="1" dirty="0" err="1"/>
+              <a:t>Acces</a:t>
+            </a:r>
+            <a:r>
+              <a:rPr lang="en-US" sz="1200" i="1" dirty="0"/>
+              <a:t> to </a:t>
+            </a:r>
+            <a:r>
+              <a:rPr lang="en-US" sz="1200" i="1" dirty="0" err="1"/>
+              <a:t>resolverUri</a:t>
+            </a:r>
+            <a:r>
+              <a:rPr lang="en-US" sz="1200" i="1" dirty="0"/>
+              <a:t> and </a:t>
+            </a:r>
+            <a:r>
+              <a:rPr lang="en-US" sz="1200" i="1" dirty="0" err="1"/>
+              <a:t>MatrixStore</a:t>
+            </a:r>
+            <a:r>
+              <a:rPr lang="en-US" sz="1200" i="1" dirty="0"/>
+              <a:t> inside node (for lazy)</a:t>
+            </a:r>
+          </a:p>
+        </p:txBody>
+      </p:sp>
+      <p:sp>
+        <p:nvSpPr>
+          <p:cNvPr id="10" name="Rectangle 9">
+            <a:extLst>
+              <a:ext uri="{FF2B5EF4-FFF2-40B4-BE49-F238E27FC236}">
+                <a16:creationId xmlns:a16="http://schemas.microsoft.com/office/drawing/2014/main" id="{1C337804-24C1-A841-8274-69475FCFA916}"/>
+              </a:ext>
+            </a:extLst>
+          </p:cNvPr>
+          <p:cNvSpPr/>
+          <p:nvPr/>
+        </p:nvSpPr>
+        <p:spPr>
+          <a:xfrm>
+            <a:off x="6570133" y="3257548"/>
+            <a:ext cx="1955800" cy="618067"/>
+          </a:xfrm>
+          <a:prstGeom prst="rect">
+            <a:avLst/>
+          </a:prstGeom>
+        </p:spPr>
+        <p:style>
+          <a:lnRef idx="2">
+            <a:schemeClr val="dk1"/>
+          </a:lnRef>
+          <a:fillRef idx="1">
+            <a:schemeClr val="lt1"/>
+          </a:fillRef>
+          <a:effectRef idx="0">
+            <a:schemeClr val="dk1"/>
+          </a:effectRef>
+          <a:fontRef idx="minor">
+            <a:schemeClr val="dk1"/>
+          </a:fontRef>
+        </p:style>
+        <p:txBody>
+          <a:bodyPr rtlCol="0" anchor="ctr"/>
+          <a:lstStyle/>
+          <a:p>
+            <a:pPr algn="ctr"/>
+            <a:r>
+              <a:rPr lang="en-US" dirty="0" err="1"/>
+              <a:t>UriResolver</a:t>
+            </a:r>
+            <a:endParaRPr lang="en-US" dirty="0"/>
+          </a:p>
+        </p:txBody>
+      </p:sp>
+      <p:sp>
+        <p:nvSpPr>
+          <p:cNvPr id="11" name="ZoneTexte 10">
+            <a:extLst>
+              <a:ext uri="{FF2B5EF4-FFF2-40B4-BE49-F238E27FC236}">
+                <a16:creationId xmlns:a16="http://schemas.microsoft.com/office/drawing/2014/main" id="{719BB949-4E77-CA44-8BC1-0B2389FBF614}"/>
+              </a:ext>
+            </a:extLst>
+          </p:cNvPr>
+          <p:cNvSpPr txBox="1"/>
+          <p:nvPr/>
+        </p:nvSpPr>
+        <p:spPr>
+          <a:xfrm>
+            <a:off x="8178800" y="4160448"/>
+            <a:ext cx="911340" cy="276999"/>
+          </a:xfrm>
+          <a:prstGeom prst="rect">
+            <a:avLst/>
+          </a:prstGeom>
+          <a:noFill/>
+        </p:spPr>
+        <p:txBody>
+          <a:bodyPr wrap="none" rtlCol="0">
+            <a:spAutoFit/>
+          </a:bodyPr>
+          <a:lstStyle/>
+          <a:p>
+            <a:r>
+              <a:rPr lang="en-US" sz="1200" i="1" dirty="0"/>
+              <a:t>Resolve URI</a:t>
+            </a:r>
+          </a:p>
+        </p:txBody>
+      </p:sp>
+      <p:sp>
+        <p:nvSpPr>
+          <p:cNvPr id="12" name="Rectangle 11">
+            <a:extLst>
+              <a:ext uri="{FF2B5EF4-FFF2-40B4-BE49-F238E27FC236}">
+                <a16:creationId xmlns:a16="http://schemas.microsoft.com/office/drawing/2014/main" id="{543983A8-9F3A-0C49-AB61-A29A160D9337}"/>
+              </a:ext>
+            </a:extLst>
+          </p:cNvPr>
+          <p:cNvSpPr/>
+          <p:nvPr/>
+        </p:nvSpPr>
+        <p:spPr>
+          <a:xfrm>
+            <a:off x="6570133" y="1951427"/>
+            <a:ext cx="1955800" cy="618067"/>
+          </a:xfrm>
+          <a:prstGeom prst="rect">
+            <a:avLst/>
+          </a:prstGeom>
+        </p:spPr>
+        <p:style>
+          <a:lnRef idx="2">
+            <a:schemeClr val="dk1"/>
+          </a:lnRef>
+          <a:fillRef idx="1">
+            <a:schemeClr val="lt1"/>
+          </a:fillRef>
+          <a:effectRef idx="0">
+            <a:schemeClr val="dk1"/>
+          </a:effectRef>
+          <a:fontRef idx="minor">
+            <a:schemeClr val="dk1"/>
+          </a:fontRef>
+        </p:style>
+        <p:txBody>
+          <a:bodyPr rtlCol="0" anchor="ctr"/>
+          <a:lstStyle/>
+          <a:p>
+            <a:pPr algn="ctr"/>
+            <a:r>
+              <a:rPr lang="en-US" dirty="0" err="1"/>
+              <a:t>StorageService</a:t>
+            </a:r>
+            <a:endParaRPr lang="en-US" dirty="0"/>
+          </a:p>
+        </p:txBody>
+      </p:sp>
+      <p:sp>
+        <p:nvSpPr>
+          <p:cNvPr id="13" name="ZoneTexte 12">
+            <a:extLst>
+              <a:ext uri="{FF2B5EF4-FFF2-40B4-BE49-F238E27FC236}">
+                <a16:creationId xmlns:a16="http://schemas.microsoft.com/office/drawing/2014/main" id="{92BAD95C-90C2-6F47-9F87-A2A4138EA7FB}"/>
+              </a:ext>
+            </a:extLst>
+          </p:cNvPr>
+          <p:cNvSpPr txBox="1"/>
+          <p:nvPr/>
+        </p:nvSpPr>
+        <p:spPr>
+          <a:xfrm>
+            <a:off x="8070263" y="2694800"/>
+            <a:ext cx="1099019" cy="276999"/>
+          </a:xfrm>
+          <a:prstGeom prst="rect">
+            <a:avLst/>
+          </a:prstGeom>
+          <a:noFill/>
+        </p:spPr>
+        <p:txBody>
+          <a:bodyPr wrap="none" rtlCol="0">
+            <a:spAutoFit/>
+          </a:bodyPr>
+          <a:lstStyle/>
+          <a:p>
+            <a:r>
+              <a:rPr lang="en-US" sz="1200" i="1" dirty="0"/>
+              <a:t>Get study path</a:t>
+            </a:r>
+          </a:p>
+        </p:txBody>
+      </p:sp>
+      <p:cxnSp>
+        <p:nvCxnSpPr>
+          <p:cNvPr id="15" name="Connecteur droit avec flèche 14">
+            <a:extLst>
+              <a:ext uri="{FF2B5EF4-FFF2-40B4-BE49-F238E27FC236}">
+                <a16:creationId xmlns:a16="http://schemas.microsoft.com/office/drawing/2014/main" id="{2048925A-CBC0-BA46-98BF-A53660BFC08F}"/>
+              </a:ext>
+            </a:extLst>
+          </p:cNvPr>
+          <p:cNvCxnSpPr>
+            <a:stCxn id="3" idx="2"/>
+            <a:endCxn id="4" idx="0"/>
+          </p:cNvCxnSpPr>
+          <p:nvPr/>
+        </p:nvCxnSpPr>
+        <p:spPr>
+          <a:xfrm>
+            <a:off x="2171700" y="2548467"/>
+            <a:ext cx="0" cy="709082"/>
+          </a:xfrm>
+          <a:prstGeom prst="straightConnector1">
+            <a:avLst/>
+          </a:prstGeom>
+          <a:ln>
+            <a:tailEnd type="triangle"/>
+          </a:ln>
+        </p:spPr>
+        <p:style>
+          <a:lnRef idx="1">
+            <a:schemeClr val="accent1"/>
+          </a:lnRef>
+          <a:fillRef idx="0">
+            <a:schemeClr val="accent1"/>
+          </a:fillRef>
+          <a:effectRef idx="0">
+            <a:schemeClr val="accent1"/>
+          </a:effectRef>
+          <a:fontRef idx="minor">
+            <a:schemeClr val="tx1"/>
+          </a:fontRef>
+        </p:style>
+      </p:cxnSp>
+      <p:cxnSp>
+        <p:nvCxnSpPr>
+          <p:cNvPr id="16" name="Connecteur droit avec flèche 15">
+            <a:extLst>
+              <a:ext uri="{FF2B5EF4-FFF2-40B4-BE49-F238E27FC236}">
+                <a16:creationId xmlns:a16="http://schemas.microsoft.com/office/drawing/2014/main" id="{16EF44B7-CCBA-A54F-8720-3CCCA0EDE717}"/>
+              </a:ext>
+            </a:extLst>
+          </p:cNvPr>
+          <p:cNvCxnSpPr/>
+          <p:nvPr/>
+        </p:nvCxnSpPr>
+        <p:spPr>
+          <a:xfrm>
+            <a:off x="2184400" y="3875615"/>
+            <a:ext cx="0" cy="709082"/>
+          </a:xfrm>
+          <a:prstGeom prst="straightConnector1">
+            <a:avLst/>
+          </a:prstGeom>
+          <a:ln>
+            <a:tailEnd type="triangle"/>
+          </a:ln>
+        </p:spPr>
+        <p:style>
+          <a:lnRef idx="1">
+            <a:schemeClr val="accent1"/>
+          </a:lnRef>
+          <a:fillRef idx="0">
+            <a:schemeClr val="accent1"/>
+          </a:fillRef>
+          <a:effectRef idx="0">
+            <a:schemeClr val="accent1"/>
+          </a:effectRef>
+          <a:fontRef idx="minor">
+            <a:schemeClr val="tx1"/>
+          </a:fontRef>
+        </p:style>
+      </p:cxnSp>
+      <p:cxnSp>
+        <p:nvCxnSpPr>
+          <p:cNvPr id="17" name="Connecteur droit avec flèche 16">
+            <a:extLst>
+              <a:ext uri="{FF2B5EF4-FFF2-40B4-BE49-F238E27FC236}">
+                <a16:creationId xmlns:a16="http://schemas.microsoft.com/office/drawing/2014/main" id="{FB6ADB5C-8D57-754E-9934-60ABAFD6F7AB}"/>
+              </a:ext>
+            </a:extLst>
+          </p:cNvPr>
+          <p:cNvCxnSpPr>
+            <a:cxnSpLocks/>
+            <a:stCxn id="8" idx="0"/>
+            <a:endCxn id="10" idx="2"/>
+          </p:cNvCxnSpPr>
+          <p:nvPr/>
+        </p:nvCxnSpPr>
+        <p:spPr>
+          <a:xfrm flipV="1">
+            <a:off x="7548033" y="3875615"/>
+            <a:ext cx="0" cy="709084"/>
+          </a:xfrm>
+          <a:prstGeom prst="straightConnector1">
+            <a:avLst/>
+          </a:prstGeom>
+          <a:ln>
+            <a:tailEnd type="triangle"/>
+          </a:ln>
+        </p:spPr>
+        <p:style>
+          <a:lnRef idx="1">
+            <a:schemeClr val="accent1"/>
+          </a:lnRef>
+          <a:fillRef idx="0">
+            <a:schemeClr val="accent1"/>
+          </a:fillRef>
+          <a:effectRef idx="0">
+            <a:schemeClr val="accent1"/>
+          </a:effectRef>
+          <a:fontRef idx="minor">
+            <a:schemeClr val="tx1"/>
+          </a:fontRef>
+        </p:style>
+      </p:cxnSp>
+      <p:cxnSp>
+        <p:nvCxnSpPr>
+          <p:cNvPr id="20" name="Connecteur droit avec flèche 19">
+            <a:extLst>
+              <a:ext uri="{FF2B5EF4-FFF2-40B4-BE49-F238E27FC236}">
+                <a16:creationId xmlns:a16="http://schemas.microsoft.com/office/drawing/2014/main" id="{41BA542E-453A-254A-8E62-4727581F1628}"/>
+              </a:ext>
+            </a:extLst>
+          </p:cNvPr>
+          <p:cNvCxnSpPr>
+            <a:cxnSpLocks/>
+          </p:cNvCxnSpPr>
+          <p:nvPr/>
+        </p:nvCxnSpPr>
+        <p:spPr>
+          <a:xfrm flipV="1">
+            <a:off x="7548033" y="2548467"/>
+            <a:ext cx="0" cy="709084"/>
+          </a:xfrm>
+          <a:prstGeom prst="straightConnector1">
+            <a:avLst/>
+          </a:prstGeom>
+          <a:ln>
+            <a:tailEnd type="triangle"/>
+          </a:ln>
+        </p:spPr>
+        <p:style>
+          <a:lnRef idx="1">
+            <a:schemeClr val="accent1"/>
+          </a:lnRef>
+          <a:fillRef idx="0">
+            <a:schemeClr val="accent1"/>
+          </a:fillRef>
+          <a:effectRef idx="0">
+            <a:schemeClr val="accent1"/>
+          </a:effectRef>
+          <a:fontRef idx="minor">
+            <a:schemeClr val="tx1"/>
+          </a:fontRef>
+        </p:style>
+      </p:cxnSp>
+      <p:cxnSp>
+        <p:nvCxnSpPr>
+          <p:cNvPr id="21" name="Connecteur droit avec flèche 20">
+            <a:extLst>
+              <a:ext uri="{FF2B5EF4-FFF2-40B4-BE49-F238E27FC236}">
+                <a16:creationId xmlns:a16="http://schemas.microsoft.com/office/drawing/2014/main" id="{68D8EAFF-9572-4F4D-A3DF-553082196306}"/>
+              </a:ext>
+            </a:extLst>
+          </p:cNvPr>
+          <p:cNvCxnSpPr>
+            <a:cxnSpLocks/>
+            <a:stCxn id="12" idx="1"/>
+            <a:endCxn id="3" idx="3"/>
+          </p:cNvCxnSpPr>
+          <p:nvPr/>
+        </p:nvCxnSpPr>
+        <p:spPr>
+          <a:xfrm flipH="1" flipV="1">
+            <a:off x="3149600" y="2239434"/>
+            <a:ext cx="3420533" cy="21027"/>
+          </a:xfrm>
+          <a:prstGeom prst="straightConnector1">
+            <a:avLst/>
+          </a:prstGeom>
+          <a:ln>
+            <a:tailEnd type="triangle"/>
+          </a:ln>
+        </p:spPr>
+        <p:style>
+          <a:lnRef idx="1">
+            <a:schemeClr val="accent1"/>
+          </a:lnRef>
+          <a:fillRef idx="0">
+            <a:schemeClr val="accent1"/>
+          </a:fillRef>
+          <a:effectRef idx="0">
+            <a:schemeClr val="accent1"/>
+          </a:effectRef>
+          <a:fontRef idx="minor">
+            <a:schemeClr val="tx1"/>
+          </a:fontRef>
+        </p:style>
+      </p:cxnSp>
+      <p:cxnSp>
+        <p:nvCxnSpPr>
+          <p:cNvPr id="23" name="Connecteur droit avec flèche 22">
+            <a:extLst>
+              <a:ext uri="{FF2B5EF4-FFF2-40B4-BE49-F238E27FC236}">
+                <a16:creationId xmlns:a16="http://schemas.microsoft.com/office/drawing/2014/main" id="{CD08BC0F-FD03-1F4E-AC48-C7B0C44683DC}"/>
+              </a:ext>
+            </a:extLst>
+          </p:cNvPr>
+          <p:cNvCxnSpPr>
+            <a:cxnSpLocks/>
+            <a:stCxn id="6" idx="3"/>
+            <a:endCxn id="8" idx="1"/>
+          </p:cNvCxnSpPr>
+          <p:nvPr/>
+        </p:nvCxnSpPr>
+        <p:spPr>
+          <a:xfrm>
+            <a:off x="3149600" y="4893733"/>
+            <a:ext cx="3420533" cy="0"/>
+          </a:xfrm>
+          <a:prstGeom prst="straightConnector1">
+            <a:avLst/>
+          </a:prstGeom>
+          <a:ln>
+            <a:tailEnd type="triangle"/>
+          </a:ln>
+        </p:spPr>
+        <p:style>
+          <a:lnRef idx="1">
+            <a:schemeClr val="accent1"/>
+          </a:lnRef>
+          <a:fillRef idx="0">
+            <a:schemeClr val="accent1"/>
+          </a:fillRef>
+          <a:effectRef idx="0">
+            <a:schemeClr val="accent1"/>
+          </a:effectRef>
+          <a:fontRef idx="minor">
+            <a:schemeClr val="tx1"/>
+          </a:fontRef>
+        </p:style>
+      </p:cxnSp>
+      <p:sp>
+        <p:nvSpPr>
+          <p:cNvPr id="27" name="ZoneTexte 26">
+            <a:extLst>
+              <a:ext uri="{FF2B5EF4-FFF2-40B4-BE49-F238E27FC236}">
+                <a16:creationId xmlns:a16="http://schemas.microsoft.com/office/drawing/2014/main" id="{52401577-6D4C-6940-9C97-71202DF32AA4}"/>
+              </a:ext>
+            </a:extLst>
+          </p:cNvPr>
+          <p:cNvSpPr txBox="1"/>
+          <p:nvPr/>
+        </p:nvSpPr>
+        <p:spPr>
+          <a:xfrm>
+            <a:off x="4380472" y="1848662"/>
+            <a:ext cx="958789" cy="276999"/>
+          </a:xfrm>
+          <a:prstGeom prst="rect">
+            <a:avLst/>
+          </a:prstGeom>
+          <a:noFill/>
+        </p:spPr>
+        <p:txBody>
+          <a:bodyPr wrap="none" rtlCol="0">
+            <a:spAutoFit/>
+          </a:bodyPr>
+          <a:lstStyle/>
+          <a:p>
+            <a:r>
+              <a:rPr lang="en-US" sz="1200" i="1" dirty="0"/>
+              <a:t>Export study</a:t>
+            </a:r>
+          </a:p>
+        </p:txBody>
+      </p:sp>
+    </p:spTree>
+    <p:extLst>
+      <p:ext uri="{BB962C8B-B14F-4D97-AF65-F5344CB8AC3E}">
+        <p14:creationId xmlns:p14="http://schemas.microsoft.com/office/powerpoint/2010/main" val="4091582628"/>
+      </p:ext>
+    </p:extLst>
+  </p:cSld>
+  <p:clrMapOvr>
+    <a:masterClrMapping/>
+  </p:clrMapOvr>
+</p:sld>
+</file>
+
 <file path=ppt/theme/theme1.xml><?xml version="1.0" encoding="utf-8"?>
 <a:theme xmlns:a="http://schemas.openxmlformats.org/drawingml/2006/main" name="Thème Office">
   <a:themeElements>

--- a/docs/draft/LazyNode.pptx
+++ b/docs/draft/LazyNode.pptx
@@ -4230,7 +4230,7 @@
             <a:pPr algn="ctr"/>
             <a:r>
               <a:rPr lang="en-US" dirty="0" err="1"/>
-              <a:t>RawStudy</a:t>
+              <a:t>RawStudyService</a:t>
             </a:r>
             <a:endParaRPr lang="en-US" dirty="0"/>
           </a:p>
